--- a/Result/Result.pptx
+++ b/Result/Result.pptx
@@ -104,6 +104,11 @@
       </a:defRPr>
     </a:lvl9pPr>
   </p:defaultTextStyle>
+  <p:extLst>
+    <p:ext uri="{EFAFB233-063F-42B5-8137-9DF3F51BA10A}">
+      <p15:sldGuideLst xmlns:p15="http://schemas.microsoft.com/office/powerpoint/2012/main"/>
+    </p:ext>
+  </p:extLst>
 </p:presentation>
 </file>
 
@@ -254,7 +259,7 @@
           <a:p>
             <a:fld id="{A749725C-F584-4E41-9966-B534E173D2A2}" type="datetimeFigureOut">
               <a:rPr lang="zh-CN" altLang="en-US" smtClean="0"/>
-              <a:t>2020/1/28</a:t>
+              <a:t>2020/2/11</a:t>
             </a:fld>
             <a:endParaRPr lang="zh-CN" altLang="en-US"/>
           </a:p>
@@ -452,7 +457,7 @@
           <a:p>
             <a:fld id="{A749725C-F584-4E41-9966-B534E173D2A2}" type="datetimeFigureOut">
               <a:rPr lang="zh-CN" altLang="en-US" smtClean="0"/>
-              <a:t>2020/1/28</a:t>
+              <a:t>2020/2/11</a:t>
             </a:fld>
             <a:endParaRPr lang="zh-CN" altLang="en-US"/>
           </a:p>
@@ -660,7 +665,7 @@
           <a:p>
             <a:fld id="{A749725C-F584-4E41-9966-B534E173D2A2}" type="datetimeFigureOut">
               <a:rPr lang="zh-CN" altLang="en-US" smtClean="0"/>
-              <a:t>2020/1/28</a:t>
+              <a:t>2020/2/11</a:t>
             </a:fld>
             <a:endParaRPr lang="zh-CN" altLang="en-US"/>
           </a:p>
@@ -858,7 +863,7 @@
           <a:p>
             <a:fld id="{A749725C-F584-4E41-9966-B534E173D2A2}" type="datetimeFigureOut">
               <a:rPr lang="zh-CN" altLang="en-US" smtClean="0"/>
-              <a:t>2020/1/28</a:t>
+              <a:t>2020/2/11</a:t>
             </a:fld>
             <a:endParaRPr lang="zh-CN" altLang="en-US"/>
           </a:p>
@@ -1133,7 +1138,7 @@
           <a:p>
             <a:fld id="{A749725C-F584-4E41-9966-B534E173D2A2}" type="datetimeFigureOut">
               <a:rPr lang="zh-CN" altLang="en-US" smtClean="0"/>
-              <a:t>2020/1/28</a:t>
+              <a:t>2020/2/11</a:t>
             </a:fld>
             <a:endParaRPr lang="zh-CN" altLang="en-US"/>
           </a:p>
@@ -1398,7 +1403,7 @@
           <a:p>
             <a:fld id="{A749725C-F584-4E41-9966-B534E173D2A2}" type="datetimeFigureOut">
               <a:rPr lang="zh-CN" altLang="en-US" smtClean="0"/>
-              <a:t>2020/1/28</a:t>
+              <a:t>2020/2/11</a:t>
             </a:fld>
             <a:endParaRPr lang="zh-CN" altLang="en-US"/>
           </a:p>
@@ -1810,7 +1815,7 @@
           <a:p>
             <a:fld id="{A749725C-F584-4E41-9966-B534E173D2A2}" type="datetimeFigureOut">
               <a:rPr lang="zh-CN" altLang="en-US" smtClean="0"/>
-              <a:t>2020/1/28</a:t>
+              <a:t>2020/2/11</a:t>
             </a:fld>
             <a:endParaRPr lang="zh-CN" altLang="en-US"/>
           </a:p>
@@ -1951,7 +1956,7 @@
           <a:p>
             <a:fld id="{A749725C-F584-4E41-9966-B534E173D2A2}" type="datetimeFigureOut">
               <a:rPr lang="zh-CN" altLang="en-US" smtClean="0"/>
-              <a:t>2020/1/28</a:t>
+              <a:t>2020/2/11</a:t>
             </a:fld>
             <a:endParaRPr lang="zh-CN" altLang="en-US"/>
           </a:p>
@@ -2064,7 +2069,7 @@
           <a:p>
             <a:fld id="{A749725C-F584-4E41-9966-B534E173D2A2}" type="datetimeFigureOut">
               <a:rPr lang="zh-CN" altLang="en-US" smtClean="0"/>
-              <a:t>2020/1/28</a:t>
+              <a:t>2020/2/11</a:t>
             </a:fld>
             <a:endParaRPr lang="zh-CN" altLang="en-US"/>
           </a:p>
@@ -2375,7 +2380,7 @@
           <a:p>
             <a:fld id="{A749725C-F584-4E41-9966-B534E173D2A2}" type="datetimeFigureOut">
               <a:rPr lang="zh-CN" altLang="en-US" smtClean="0"/>
-              <a:t>2020/1/28</a:t>
+              <a:t>2020/2/11</a:t>
             </a:fld>
             <a:endParaRPr lang="zh-CN" altLang="en-US"/>
           </a:p>
@@ -2663,7 +2668,7 @@
           <a:p>
             <a:fld id="{A749725C-F584-4E41-9966-B534E173D2A2}" type="datetimeFigureOut">
               <a:rPr lang="zh-CN" altLang="en-US" smtClean="0"/>
-              <a:t>2020/1/28</a:t>
+              <a:t>2020/2/11</a:t>
             </a:fld>
             <a:endParaRPr lang="zh-CN" altLang="en-US"/>
           </a:p>
@@ -2904,7 +2909,7 @@
           <a:p>
             <a:fld id="{A749725C-F584-4E41-9966-B534E173D2A2}" type="datetimeFigureOut">
               <a:rPr lang="zh-CN" altLang="en-US" smtClean="0"/>
-              <a:t>2020/1/28</a:t>
+              <a:t>2020/2/11</a:t>
             </a:fld>
             <a:endParaRPr lang="zh-CN" altLang="en-US"/>
           </a:p>
@@ -3336,13 +3341,13 @@
           <p:nvPr>
             <p:extLst>
               <p:ext uri="{D42A27DB-BD31-4B8C-83A1-F6EECF244321}">
-                <p14:modId xmlns:p14="http://schemas.microsoft.com/office/powerpoint/2010/main" val="1877237697"/>
+                <p14:modId xmlns:p14="http://schemas.microsoft.com/office/powerpoint/2010/main" val="1154152174"/>
               </p:ext>
             </p:extLst>
           </p:nvPr>
         </p:nvGraphicFramePr>
         <p:xfrm>
-          <a:off x="5581135" y="151665"/>
+          <a:off x="5321077" y="881508"/>
           <a:ext cx="1029730" cy="609600"/>
         </p:xfrm>
         <a:graphic>
@@ -3473,13 +3478,13 @@
           <p:nvPr>
             <p:extLst>
               <p:ext uri="{D42A27DB-BD31-4B8C-83A1-F6EECF244321}">
-                <p14:modId xmlns:p14="http://schemas.microsoft.com/office/powerpoint/2010/main" val="3769119112"/>
+                <p14:modId xmlns:p14="http://schemas.microsoft.com/office/powerpoint/2010/main" val="3962225767"/>
               </p:ext>
             </p:extLst>
           </p:nvPr>
         </p:nvGraphicFramePr>
         <p:xfrm>
-          <a:off x="1927655" y="1480429"/>
+          <a:off x="1667597" y="2210272"/>
           <a:ext cx="1184189" cy="1127760"/>
         </p:xfrm>
         <a:graphic>
@@ -3641,13 +3646,13 @@
           <p:nvPr>
             <p:extLst>
               <p:ext uri="{D42A27DB-BD31-4B8C-83A1-F6EECF244321}">
-                <p14:modId xmlns:p14="http://schemas.microsoft.com/office/powerpoint/2010/main" val="2740426384"/>
+                <p14:modId xmlns:p14="http://schemas.microsoft.com/office/powerpoint/2010/main" val="916995355"/>
               </p:ext>
             </p:extLst>
           </p:nvPr>
         </p:nvGraphicFramePr>
         <p:xfrm>
-          <a:off x="5503904" y="1480429"/>
+          <a:off x="5243846" y="2210272"/>
           <a:ext cx="1184189" cy="1127760"/>
         </p:xfrm>
         <a:graphic>
@@ -3793,13 +3798,13 @@
           <p:nvPr>
             <p:extLst>
               <p:ext uri="{D42A27DB-BD31-4B8C-83A1-F6EECF244321}">
-                <p14:modId xmlns:p14="http://schemas.microsoft.com/office/powerpoint/2010/main" val="1171410123"/>
+                <p14:modId xmlns:p14="http://schemas.microsoft.com/office/powerpoint/2010/main" val="3866181696"/>
               </p:ext>
             </p:extLst>
           </p:nvPr>
         </p:nvGraphicFramePr>
         <p:xfrm>
-          <a:off x="9080154" y="1480429"/>
+          <a:off x="8820096" y="2210272"/>
           <a:ext cx="1184192" cy="1127760"/>
         </p:xfrm>
         <a:graphic>
@@ -3948,7 +3953,7 @@
         </p:nvCxnSpPr>
         <p:spPr>
           <a:xfrm flipH="1">
-            <a:off x="6095998" y="761265"/>
+            <a:off x="5835940" y="1491108"/>
             <a:ext cx="2" cy="719164"/>
           </a:xfrm>
           <a:prstGeom prst="straightConnector1">
@@ -3991,7 +3996,7 @@
         </p:nvCxnSpPr>
         <p:spPr>
           <a:xfrm rot="5400000">
-            <a:off x="3948293" y="-667278"/>
+            <a:off x="3688235" y="62565"/>
             <a:ext cx="719164" cy="3576251"/>
           </a:xfrm>
           <a:prstGeom prst="bentConnector3">
@@ -4036,7 +4041,7 @@
         </p:nvCxnSpPr>
         <p:spPr>
           <a:xfrm rot="16200000" flipH="1">
-            <a:off x="7524543" y="-667278"/>
+            <a:off x="7264485" y="62565"/>
             <a:ext cx="719164" cy="3576250"/>
           </a:xfrm>
           <a:prstGeom prst="bentConnector3">
@@ -4078,13 +4083,13 @@
           <p:nvPr>
             <p:extLst>
               <p:ext uri="{D42A27DB-BD31-4B8C-83A1-F6EECF244321}">
-                <p14:modId xmlns:p14="http://schemas.microsoft.com/office/powerpoint/2010/main" val="3809895049"/>
+                <p14:modId xmlns:p14="http://schemas.microsoft.com/office/powerpoint/2010/main" val="2808998808"/>
               </p:ext>
             </p:extLst>
           </p:nvPr>
         </p:nvGraphicFramePr>
         <p:xfrm>
-          <a:off x="9857600" y="2966910"/>
+          <a:off x="9597542" y="3696753"/>
           <a:ext cx="1184189" cy="1127760"/>
         </p:xfrm>
         <a:graphic>
@@ -4230,13 +4235,13 @@
           <p:nvPr>
             <p:extLst>
               <p:ext uri="{D42A27DB-BD31-4B8C-83A1-F6EECF244321}">
-                <p14:modId xmlns:p14="http://schemas.microsoft.com/office/powerpoint/2010/main" val="3635735639"/>
+                <p14:modId xmlns:p14="http://schemas.microsoft.com/office/powerpoint/2010/main" val="2390834386"/>
               </p:ext>
             </p:extLst>
           </p:nvPr>
         </p:nvGraphicFramePr>
         <p:xfrm>
-          <a:off x="8349050" y="2966910"/>
+          <a:off x="8088992" y="3696753"/>
           <a:ext cx="1184189" cy="1127760"/>
         </p:xfrm>
         <a:graphic>
@@ -4385,7 +4390,7 @@
         </p:nvCxnSpPr>
         <p:spPr>
           <a:xfrm rot="5400000">
-            <a:off x="9127337" y="2421996"/>
+            <a:off x="8867279" y="3151839"/>
             <a:ext cx="358721" cy="731106"/>
           </a:xfrm>
           <a:prstGeom prst="bentConnector3">
@@ -4430,7 +4435,7 @@
         </p:nvCxnSpPr>
         <p:spPr>
           <a:xfrm rot="16200000" flipH="1">
-            <a:off x="9881612" y="2398827"/>
+            <a:off x="9621554" y="3128670"/>
             <a:ext cx="358721" cy="777444"/>
           </a:xfrm>
           <a:prstGeom prst="bentConnector3">
@@ -4472,13 +4477,13 @@
           <p:nvPr>
             <p:extLst>
               <p:ext uri="{D42A27DB-BD31-4B8C-83A1-F6EECF244321}">
-                <p14:modId xmlns:p14="http://schemas.microsoft.com/office/powerpoint/2010/main" val="2182345266"/>
+                <p14:modId xmlns:p14="http://schemas.microsoft.com/office/powerpoint/2010/main" val="3631507697"/>
               </p:ext>
             </p:extLst>
           </p:nvPr>
         </p:nvGraphicFramePr>
         <p:xfrm>
-          <a:off x="8349049" y="4453391"/>
+          <a:off x="8088991" y="5183234"/>
           <a:ext cx="1184189" cy="1127760"/>
         </p:xfrm>
         <a:graphic>
@@ -4624,13 +4629,13 @@
           <p:nvPr>
             <p:extLst>
               <p:ext uri="{D42A27DB-BD31-4B8C-83A1-F6EECF244321}">
-                <p14:modId xmlns:p14="http://schemas.microsoft.com/office/powerpoint/2010/main" val="4064232312"/>
+                <p14:modId xmlns:p14="http://schemas.microsoft.com/office/powerpoint/2010/main" val="2380385351"/>
               </p:ext>
             </p:extLst>
           </p:nvPr>
         </p:nvGraphicFramePr>
         <p:xfrm>
-          <a:off x="9857599" y="4453391"/>
+          <a:off x="9597541" y="5183234"/>
           <a:ext cx="1184189" cy="1127760"/>
         </p:xfrm>
         <a:graphic>
@@ -4779,7 +4784,7 @@
         </p:nvCxnSpPr>
         <p:spPr>
           <a:xfrm flipH="1">
-            <a:off x="8941143" y="4094670"/>
+            <a:off x="8681085" y="4824513"/>
             <a:ext cx="1" cy="358721"/>
           </a:xfrm>
           <a:prstGeom prst="straightConnector1">
@@ -4822,7 +4827,7 @@
         </p:nvCxnSpPr>
         <p:spPr>
           <a:xfrm flipH="1">
-            <a:off x="10449693" y="4094670"/>
+            <a:off x="10189635" y="4824513"/>
             <a:ext cx="1" cy="358721"/>
           </a:xfrm>
           <a:prstGeom prst="straightConnector1">
@@ -4865,7 +4870,7 @@
         </p:nvCxnSpPr>
         <p:spPr>
           <a:xfrm flipH="1">
-            <a:off x="1736528" y="4090415"/>
+            <a:off x="1476470" y="4820258"/>
             <a:ext cx="5552" cy="354466"/>
           </a:xfrm>
           <a:prstGeom prst="straightConnector1">
@@ -4908,7 +4913,7 @@
         </p:nvCxnSpPr>
         <p:spPr>
           <a:xfrm rot="5400000">
-            <a:off x="1953682" y="2396588"/>
+            <a:off x="1693624" y="3126431"/>
             <a:ext cx="354466" cy="777669"/>
           </a:xfrm>
           <a:prstGeom prst="bentConnector3">
@@ -4950,13 +4955,13 @@
           <p:nvPr>
             <p:extLst>
               <p:ext uri="{D42A27DB-BD31-4B8C-83A1-F6EECF244321}">
-                <p14:modId xmlns:p14="http://schemas.microsoft.com/office/powerpoint/2010/main" val="3505390315"/>
+                <p14:modId xmlns:p14="http://schemas.microsoft.com/office/powerpoint/2010/main" val="1871277658"/>
               </p:ext>
             </p:extLst>
           </p:nvPr>
         </p:nvGraphicFramePr>
         <p:xfrm>
-          <a:off x="4749519" y="2966910"/>
+          <a:off x="4489461" y="3696753"/>
           <a:ext cx="1184189" cy="1127760"/>
         </p:xfrm>
         <a:graphic>
@@ -5102,13 +5107,13 @@
           <p:nvPr>
             <p:extLst>
               <p:ext uri="{D42A27DB-BD31-4B8C-83A1-F6EECF244321}">
-                <p14:modId xmlns:p14="http://schemas.microsoft.com/office/powerpoint/2010/main" val="2679996568"/>
+                <p14:modId xmlns:p14="http://schemas.microsoft.com/office/powerpoint/2010/main" val="1828052286"/>
               </p:ext>
             </p:extLst>
           </p:nvPr>
         </p:nvGraphicFramePr>
         <p:xfrm>
-          <a:off x="6258066" y="2966910"/>
+          <a:off x="5998008" y="3696753"/>
           <a:ext cx="1184192" cy="1127760"/>
         </p:xfrm>
         <a:graphic>
@@ -5257,7 +5262,7 @@
         </p:nvCxnSpPr>
         <p:spPr>
           <a:xfrm rot="16200000" flipH="1">
-            <a:off x="6293720" y="2410467"/>
+            <a:off x="6033662" y="3140310"/>
             <a:ext cx="358721" cy="754164"/>
           </a:xfrm>
           <a:prstGeom prst="bentConnector3">
@@ -5302,7 +5307,7 @@
         </p:nvCxnSpPr>
         <p:spPr>
           <a:xfrm rot="5400000">
-            <a:off x="5539446" y="2410357"/>
+            <a:off x="5279388" y="3140200"/>
             <a:ext cx="358721" cy="754385"/>
           </a:xfrm>
           <a:prstGeom prst="bentConnector3">
@@ -5344,13 +5349,13 @@
           <p:nvPr>
             <p:extLst>
               <p:ext uri="{D42A27DB-BD31-4B8C-83A1-F6EECF244321}">
-                <p14:modId xmlns:p14="http://schemas.microsoft.com/office/powerpoint/2010/main" val="2539841150"/>
+                <p14:modId xmlns:p14="http://schemas.microsoft.com/office/powerpoint/2010/main" val="772752147"/>
               </p:ext>
             </p:extLst>
           </p:nvPr>
         </p:nvGraphicFramePr>
         <p:xfrm>
-          <a:off x="4755071" y="4453390"/>
+          <a:off x="4495013" y="5183233"/>
           <a:ext cx="1184192" cy="1127760"/>
         </p:xfrm>
         <a:graphic>
@@ -5496,13 +5501,13 @@
           <p:nvPr>
             <p:extLst>
               <p:ext uri="{D42A27DB-BD31-4B8C-83A1-F6EECF244321}">
-                <p14:modId xmlns:p14="http://schemas.microsoft.com/office/powerpoint/2010/main" val="160864056"/>
+                <p14:modId xmlns:p14="http://schemas.microsoft.com/office/powerpoint/2010/main" val="2636617862"/>
               </p:ext>
             </p:extLst>
           </p:nvPr>
         </p:nvGraphicFramePr>
         <p:xfrm>
-          <a:off x="6263624" y="4453390"/>
+          <a:off x="6003566" y="5183233"/>
           <a:ext cx="1184189" cy="1127760"/>
         </p:xfrm>
         <a:graphic>
@@ -5651,7 +5656,7 @@
         </p:nvCxnSpPr>
         <p:spPr>
           <a:xfrm>
-            <a:off x="5341613" y="4094670"/>
+            <a:off x="5081555" y="4824513"/>
             <a:ext cx="5554" cy="358720"/>
           </a:xfrm>
           <a:prstGeom prst="straightConnector1">
@@ -5694,7 +5699,7 @@
         </p:nvCxnSpPr>
         <p:spPr>
           <a:xfrm>
-            <a:off x="6850162" y="4094670"/>
+            <a:off x="6590104" y="4824513"/>
             <a:ext cx="5556" cy="358720"/>
           </a:xfrm>
           <a:prstGeom prst="straightConnector1">
@@ -5734,13 +5739,13 @@
           <p:nvPr>
             <p:extLst>
               <p:ext uri="{D42A27DB-BD31-4B8C-83A1-F6EECF244321}">
-                <p14:modId xmlns:p14="http://schemas.microsoft.com/office/powerpoint/2010/main" val="3377418578"/>
+                <p14:modId xmlns:p14="http://schemas.microsoft.com/office/powerpoint/2010/main" val="500146197"/>
               </p:ext>
             </p:extLst>
           </p:nvPr>
         </p:nvGraphicFramePr>
         <p:xfrm>
-          <a:off x="1149986" y="2962655"/>
+          <a:off x="889928" y="3692498"/>
           <a:ext cx="1184189" cy="1127760"/>
         </p:xfrm>
         <a:graphic>
@@ -5886,13 +5891,13 @@
           <p:nvPr>
             <p:extLst>
               <p:ext uri="{D42A27DB-BD31-4B8C-83A1-F6EECF244321}">
-                <p14:modId xmlns:p14="http://schemas.microsoft.com/office/powerpoint/2010/main" val="2101238755"/>
+                <p14:modId xmlns:p14="http://schemas.microsoft.com/office/powerpoint/2010/main" val="62524414"/>
               </p:ext>
             </p:extLst>
           </p:nvPr>
         </p:nvGraphicFramePr>
         <p:xfrm>
-          <a:off x="2653705" y="4453390"/>
+          <a:off x="2393647" y="5183233"/>
           <a:ext cx="1184189" cy="1127760"/>
         </p:xfrm>
         <a:graphic>
@@ -6036,13 +6041,13 @@
           <p:nvPr>
             <p:extLst>
               <p:ext uri="{D42A27DB-BD31-4B8C-83A1-F6EECF244321}">
-                <p14:modId xmlns:p14="http://schemas.microsoft.com/office/powerpoint/2010/main" val="3450045125"/>
+                <p14:modId xmlns:p14="http://schemas.microsoft.com/office/powerpoint/2010/main" val="3244334266"/>
               </p:ext>
             </p:extLst>
           </p:nvPr>
         </p:nvGraphicFramePr>
         <p:xfrm>
-          <a:off x="2658538" y="2962655"/>
+          <a:off x="2398480" y="3692498"/>
           <a:ext cx="1184192" cy="1127760"/>
         </p:xfrm>
         <a:graphic>
@@ -6188,13 +6193,13 @@
           <p:nvPr>
             <p:extLst>
               <p:ext uri="{D42A27DB-BD31-4B8C-83A1-F6EECF244321}">
-                <p14:modId xmlns:p14="http://schemas.microsoft.com/office/powerpoint/2010/main" val="1190005902"/>
+                <p14:modId xmlns:p14="http://schemas.microsoft.com/office/powerpoint/2010/main" val="3530697205"/>
               </p:ext>
             </p:extLst>
           </p:nvPr>
         </p:nvGraphicFramePr>
         <p:xfrm>
-          <a:off x="1144432" y="4444881"/>
+          <a:off x="884374" y="5174724"/>
           <a:ext cx="1184192" cy="1127760"/>
         </p:xfrm>
         <a:graphic>
@@ -6343,7 +6348,7 @@
         </p:nvCxnSpPr>
         <p:spPr>
           <a:xfrm rot="16200000" flipH="1">
-            <a:off x="2707958" y="2419979"/>
+            <a:off x="2447900" y="3149822"/>
             <a:ext cx="354466" cy="730885"/>
           </a:xfrm>
           <a:prstGeom prst="bentConnector3">
@@ -6388,7 +6393,7 @@
         </p:nvCxnSpPr>
         <p:spPr>
           <a:xfrm flipH="1">
-            <a:off x="3245799" y="4090415"/>
+            <a:off x="2985741" y="4820258"/>
             <a:ext cx="4835" cy="362975"/>
           </a:xfrm>
           <a:prstGeom prst="straightConnector1">
@@ -6413,6 +6418,181 @@
           </a:fontRef>
         </p:style>
       </p:cxnSp>
+      <p:graphicFrame>
+        <p:nvGraphicFramePr>
+          <p:cNvPr id="33" name="表格 5">
+            <a:extLst>
+              <a:ext uri="{FF2B5EF4-FFF2-40B4-BE49-F238E27FC236}">
+                <a16:creationId xmlns:a16="http://schemas.microsoft.com/office/drawing/2014/main" id="{63494EF9-A2DC-4BEC-9FA1-A12A4BBD0DF8}"/>
+              </a:ext>
+            </a:extLst>
+          </p:cNvPr>
+          <p:cNvGraphicFramePr>
+            <a:graphicFrameLocks noGrp="1"/>
+          </p:cNvGraphicFramePr>
+          <p:nvPr>
+            <p:extLst>
+              <p:ext uri="{D42A27DB-BD31-4B8C-83A1-F6EECF244321}">
+                <p14:modId xmlns:p14="http://schemas.microsoft.com/office/powerpoint/2010/main" val="3646113686"/>
+              </p:ext>
+            </p:extLst>
+          </p:nvPr>
+        </p:nvGraphicFramePr>
+        <p:xfrm>
+          <a:off x="9927057" y="622428"/>
+          <a:ext cx="1783974" cy="1374042"/>
+        </p:xfrm>
+        <a:graphic>
+          <a:graphicData uri="http://schemas.openxmlformats.org/drawingml/2006/table">
+            <a:tbl>
+              <a:tblPr firstRow="1" bandRow="1">
+                <a:tableStyleId>{5940675A-B579-460E-94D1-54222C63F5DA}</a:tableStyleId>
+              </a:tblPr>
+              <a:tblGrid>
+                <a:gridCol w="1783974">
+                  <a:extLst>
+                    <a:ext uri="{9D8B030D-6E8A-4147-A177-3AD203B41FA5}">
+                      <a16:colId xmlns:a16="http://schemas.microsoft.com/office/drawing/2014/main" val="1942139899"/>
+                    </a:ext>
+                  </a:extLst>
+                </a:gridCol>
+              </a:tblGrid>
+              <a:tr h="276762">
+                <a:tc>
+                  <a:txBody>
+                    <a:bodyPr/>
+                    <a:lstStyle/>
+                    <a:p>
+                      <a:pPr algn="ctr" fontAlgn="ctr"/>
+                      <a:r>
+                        <a:rPr lang="en-US" altLang="zh-CN" sz="1000" u="none" strike="noStrike" dirty="0">
+                          <a:effectLst/>
+                        </a:rPr>
+                        <a:t>Methods of pre-processing</a:t>
+                      </a:r>
+                      <a:endParaRPr lang="en-US" altLang="zh-CN" sz="1000" b="0" i="0" u="none" strike="noStrike" dirty="0">
+                        <a:solidFill>
+                          <a:srgbClr val="000000"/>
+                        </a:solidFill>
+                        <a:effectLst/>
+                        <a:latin typeface="Consolas" panose="020B0609020204030204" pitchFamily="49" charset="0"/>
+                        <a:ea typeface="+mn-ea"/>
+                      </a:endParaRPr>
+                    </a:p>
+                  </a:txBody>
+                  <a:tcPr anchor="ctr"/>
+                </a:tc>
+                <a:extLst>
+                  <a:ext uri="{0D108BD9-81ED-4DB2-BD59-A6C34878D82A}">
+                    <a16:rowId xmlns:a16="http://schemas.microsoft.com/office/drawing/2014/main" val="1748859327"/>
+                  </a:ext>
+                </a:extLst>
+              </a:tr>
+              <a:tr h="276762">
+                <a:tc>
+                  <a:txBody>
+                    <a:bodyPr/>
+                    <a:lstStyle/>
+                    <a:p>
+                      <a:pPr algn="ctr" fontAlgn="ctr"/>
+                      <a:r>
+                        <a:rPr lang="en-US" altLang="zh-CN" sz="1000" u="none" strike="noStrike" dirty="0">
+                          <a:effectLst/>
+                        </a:rPr>
+                        <a:t>Total number of true positive Pixel counted</a:t>
+                      </a:r>
+                      <a:endParaRPr lang="en-US" altLang="zh-CN" sz="1000" b="0" i="0" u="none" strike="noStrike" dirty="0">
+                        <a:solidFill>
+                          <a:srgbClr val="000000"/>
+                        </a:solidFill>
+                        <a:effectLst/>
+                        <a:latin typeface="等线" panose="02010600030101010101" pitchFamily="2" charset="-122"/>
+                        <a:ea typeface="+mn-ea"/>
+                      </a:endParaRPr>
+                    </a:p>
+                  </a:txBody>
+                  <a:tcPr anchor="ctr"/>
+                </a:tc>
+                <a:extLst>
+                  <a:ext uri="{0D108BD9-81ED-4DB2-BD59-A6C34878D82A}">
+                    <a16:rowId xmlns:a16="http://schemas.microsoft.com/office/drawing/2014/main" val="1058404722"/>
+                  </a:ext>
+                </a:extLst>
+              </a:tr>
+              <a:tr h="276762">
+                <a:tc>
+                  <a:txBody>
+                    <a:bodyPr/>
+                    <a:lstStyle/>
+                    <a:p>
+                      <a:pPr algn="ctr" fontAlgn="ctr"/>
+                      <a:r>
+                        <a:rPr lang="en-US" altLang="zh-CN" sz="1000" b="0" i="0" u="none" strike="noStrike" dirty="0">
+                          <a:solidFill>
+                            <a:schemeClr val="tx1"/>
+                          </a:solidFill>
+                          <a:effectLst/>
+                          <a:latin typeface="等线" panose="02010600030101010101" pitchFamily="2" charset="-122"/>
+                          <a:ea typeface="+mn-ea"/>
+                        </a:rPr>
+                        <a:t>The increase/ decrease compared to the upstream pre-processing   image in previous step.</a:t>
+                      </a:r>
+                    </a:p>
+                  </a:txBody>
+                  <a:tcPr anchor="ctr">
+                    <a:solidFill>
+                      <a:schemeClr val="bg1">
+                        <a:lumMod val="95000"/>
+                      </a:schemeClr>
+                    </a:solidFill>
+                  </a:tcPr>
+                </a:tc>
+                <a:extLst>
+                  <a:ext uri="{0D108BD9-81ED-4DB2-BD59-A6C34878D82A}">
+                    <a16:rowId xmlns:a16="http://schemas.microsoft.com/office/drawing/2014/main" val="1064812590"/>
+                  </a:ext>
+                </a:extLst>
+              </a:tr>
+            </a:tbl>
+          </a:graphicData>
+        </a:graphic>
+      </p:graphicFrame>
+      <p:sp>
+        <p:nvSpPr>
+          <p:cNvPr id="2" name="文本框 1">
+            <a:extLst>
+              <a:ext uri="{FF2B5EF4-FFF2-40B4-BE49-F238E27FC236}">
+                <a16:creationId xmlns:a16="http://schemas.microsoft.com/office/drawing/2014/main" id="{26AC1704-7065-47D5-B500-2C85D8178AF2}"/>
+              </a:ext>
+            </a:extLst>
+          </p:cNvPr>
+          <p:cNvSpPr txBox="1"/>
+          <p:nvPr/>
+        </p:nvSpPr>
+        <p:spPr>
+          <a:xfrm>
+            <a:off x="9805625" y="253096"/>
+            <a:ext cx="973343" cy="369332"/>
+          </a:xfrm>
+          <a:prstGeom prst="rect">
+            <a:avLst/>
+          </a:prstGeom>
+          <a:noFill/>
+        </p:spPr>
+        <p:txBody>
+          <a:bodyPr wrap="none" rtlCol="0">
+            <a:spAutoFit/>
+          </a:bodyPr>
+          <a:lstStyle/>
+          <a:p>
+            <a:r>
+              <a:rPr lang="en-US" altLang="zh-CN" dirty="0"/>
+              <a:t>Legend:</a:t>
+            </a:r>
+            <a:endParaRPr lang="zh-CN" altLang="en-US" dirty="0"/>
+          </a:p>
+        </p:txBody>
+      </p:sp>
     </p:spTree>
     <p:extLst>
       <p:ext uri="{BB962C8B-B14F-4D97-AF65-F5344CB8AC3E}">
